--- a/images/mongodb-atlas-architecture-diagram.pptx
+++ b/images/mongodb-atlas-architecture-diagram.pptx
@@ -223,7 +223,7 @@
           <a:p>
             <a:fld id="{49A7721D-1176-A640-AC48-B82F78C92D56}" type="datetimeFigureOut">
               <a:rPr lang="en-US" smtClean="0"/>
-              <a:t>3/22/2021</a:t>
+              <a:t>3/25/2021</a:t>
             </a:fld>
             <a:endParaRPr lang="en-US" dirty="0"/>
           </a:p>
@@ -400,7 +400,7 @@
           <a:p>
             <a:fld id="{C884A089-FB25-6D46-9D21-F0F04A18BCA8}" type="datetimeFigureOut">
               <a:rPr lang="en-US" smtClean="0"/>
-              <a:t>3/22/2021</a:t>
+              <a:t>3/25/2021</a:t>
             </a:fld>
             <a:endParaRPr lang="en-US" dirty="0"/>
           </a:p>
@@ -1448,7 +1448,7 @@
           <a:blip r:embed="rId2">
             <a:extLst>
               <a:ext uri="{96DAC541-7B7A-43D3-8B79-37D633B846F1}">
-                <asvg:svgBlip xmlns="" xmlns:asvg="http://schemas.microsoft.com/office/drawing/2016/SVG/main" r:embed="rId3"/>
+                <asvg:svgBlip xmlns:asvg="http://schemas.microsoft.com/office/drawing/2016/SVG/main" xmlns="" r:embed="rId3"/>
               </a:ext>
             </a:extLst>
           </a:blip>
@@ -1484,7 +1484,7 @@
           <a:blip r:embed="rId4">
             <a:extLst>
               <a:ext uri="{96DAC541-7B7A-43D3-8B79-37D633B846F1}">
-                <asvg:svgBlip xmlns="" xmlns:asvg="http://schemas.microsoft.com/office/drawing/2016/SVG/main" r:embed="rId5"/>
+                <asvg:svgBlip xmlns:asvg="http://schemas.microsoft.com/office/drawing/2016/SVG/main" xmlns="" r:embed="rId5"/>
               </a:ext>
             </a:extLst>
           </a:blip>
@@ -1520,7 +1520,7 @@
           <a:blip r:embed="rId6">
             <a:extLst>
               <a:ext uri="{96DAC541-7B7A-43D3-8B79-37D633B846F1}">
-                <asvg:svgBlip xmlns="" xmlns:asvg="http://schemas.microsoft.com/office/drawing/2016/SVG/main" r:embed="rId7"/>
+                <asvg:svgBlip xmlns:asvg="http://schemas.microsoft.com/office/drawing/2016/SVG/main" xmlns="" r:embed="rId7"/>
               </a:ext>
             </a:extLst>
           </a:blip>
@@ -1595,7 +1595,7 @@
           <a:blip r:embed="rId8">
             <a:extLst>
               <a:ext uri="{96DAC541-7B7A-43D3-8B79-37D633B846F1}">
-                <asvg:svgBlip xmlns="" xmlns:asvg="http://schemas.microsoft.com/office/drawing/2016/SVG/main" r:embed="rId11"/>
+                <asvg:svgBlip xmlns:asvg="http://schemas.microsoft.com/office/drawing/2016/SVG/main" xmlns="" r:embed="rId11"/>
               </a:ext>
             </a:extLst>
           </a:blip>
@@ -1698,7 +1698,7 @@
           <a:blip r:embed="rId6">
             <a:extLst>
               <a:ext uri="{96DAC541-7B7A-43D3-8B79-37D633B846F1}">
-                <asvg:svgBlip xmlns="" xmlns:asvg="http://schemas.microsoft.com/office/drawing/2016/SVG/main" r:embed="rId7"/>
+                <asvg:svgBlip xmlns:asvg="http://schemas.microsoft.com/office/drawing/2016/SVG/main" xmlns="" r:embed="rId7"/>
               </a:ext>
             </a:extLst>
           </a:blip>
@@ -1773,7 +1773,7 @@
           <a:blip r:embed="rId8">
             <a:extLst>
               <a:ext uri="{96DAC541-7B7A-43D3-8B79-37D633B846F1}">
-                <asvg:svgBlip xmlns="" xmlns:asvg="http://schemas.microsoft.com/office/drawing/2016/SVG/main" r:embed="rId11"/>
+                <asvg:svgBlip xmlns:asvg="http://schemas.microsoft.com/office/drawing/2016/SVG/main" xmlns="" r:embed="rId11"/>
               </a:ext>
             </a:extLst>
           </a:blip>
@@ -1847,7 +1847,19 @@
                 <a:cs typeface="Arial"/>
                 <a:sym typeface="Arial"/>
               </a:rPr>
-              <a:t>MongoDB Atlas VPC</a:t>
+              <a:t>MongoDB Atlas </a:t>
+            </a:r>
+            <a:r>
+              <a:rPr lang="en-US" sz="1200" b="0" i="0" u="none" strike="noStrike" cap="none" smtClean="0">
+                <a:solidFill>
+                  <a:srgbClr val="1E8900"/>
+                </a:solidFill>
+                <a:latin typeface="Arial"/>
+                <a:ea typeface="Arial"/>
+                <a:cs typeface="Arial"/>
+                <a:sym typeface="Arial"/>
+              </a:rPr>
+              <a:t>project VPC</a:t>
             </a:r>
             <a:endParaRPr/>
           </a:p>
